--- a/음성 음악 소음구별 및 NAVER음성인식.pptx
+++ b/음성 음악 소음구별 및 NAVER음성인식.pptx
@@ -5,10 +5,10 @@
     <p:sldMasterId id="2147483648" r:id="rId1"/>
   </p:sldMasterIdLst>
   <p:notesMasterIdLst>
-    <p:notesMasterId r:id="rId12"/>
+    <p:notesMasterId r:id="rId13"/>
   </p:notesMasterIdLst>
   <p:handoutMasterIdLst>
-    <p:handoutMasterId r:id="rId13"/>
+    <p:handoutMasterId r:id="rId14"/>
   </p:handoutMasterIdLst>
   <p:sldIdLst>
     <p:sldId id="274" r:id="rId2"/>
@@ -20,7 +20,8 @@
     <p:sldId id="301" r:id="rId8"/>
     <p:sldId id="302" r:id="rId9"/>
     <p:sldId id="297" r:id="rId10"/>
-    <p:sldId id="298" r:id="rId11"/>
+    <p:sldId id="303" r:id="rId11"/>
+    <p:sldId id="298" r:id="rId12"/>
   </p:sldIdLst>
   <p:sldSz cx="12192000" cy="6858000"/>
   <p:notesSz cx="6797675" cy="9926638"/>
@@ -212,7 +213,7 @@
           <a:p>
             <a:fld id="{89591EC3-1394-40F3-BF79-7F8705E68C98}" type="datetimeFigureOut">
               <a:rPr lang="ko-KR" altLang="en-US" smtClean="0"/>
-              <a:t>2020-11-19</a:t>
+              <a:t>2020-11-20</a:t>
             </a:fld>
             <a:endParaRPr lang="ko-KR" altLang="en-US" dirty="0"/>
           </a:p>
@@ -377,7 +378,7 @@
           <a:p>
             <a:fld id="{751D661D-A8C0-4FFE-83F7-98BA8E7A8579}" type="datetimeFigureOut">
               <a:rPr lang="ko-KR" altLang="en-US" smtClean="0"/>
-              <a:t>2020-11-19</a:t>
+              <a:t>2020-11-20</a:t>
             </a:fld>
             <a:endParaRPr lang="ko-KR" altLang="en-US" dirty="0"/>
           </a:p>
@@ -1323,6 +1324,493 @@
     </p:spTree>
     <p:extLst>
       <p:ext uri="{BB962C8B-B14F-4D97-AF65-F5344CB8AC3E}">
+        <p14:creationId xmlns:p14="http://schemas.microsoft.com/office/powerpoint/2010/main" val="4098024389"/>
+      </p:ext>
+    </p:extLst>
+  </p:cSld>
+  <p:clrMapOvr>
+    <a:masterClrMapping/>
+  </p:clrMapOvr>
+</p:notes>
+</file>
+
+<file path=ppt/notesSlides/notesSlide11.xml><?xml version="1.0" encoding="utf-8"?>
+<p:notes xmlns:a="http://schemas.openxmlformats.org/drawingml/2006/main" xmlns:r="http://schemas.openxmlformats.org/officeDocument/2006/relationships" xmlns:p="http://schemas.openxmlformats.org/presentationml/2006/main">
+  <p:cSld>
+    <p:spTree>
+      <p:nvGrpSpPr>
+        <p:cNvPr id="1" name=""/>
+        <p:cNvGrpSpPr/>
+        <p:nvPr/>
+      </p:nvGrpSpPr>
+      <p:grpSpPr>
+        <a:xfrm>
+          <a:off x="0" y="0"/>
+          <a:ext cx="0" cy="0"/>
+          <a:chOff x="0" y="0"/>
+          <a:chExt cx="0" cy="0"/>
+        </a:xfrm>
+      </p:grpSpPr>
+      <p:sp>
+        <p:nvSpPr>
+          <p:cNvPr id="2" name="슬라이드 이미지 개체 틀 1"/>
+          <p:cNvSpPr>
+            <a:spLocks noGrp="1" noRot="1" noChangeAspect="1"/>
+          </p:cNvSpPr>
+          <p:nvPr>
+            <p:ph type="sldImg"/>
+          </p:nvPr>
+        </p:nvSpPr>
+        <p:spPr/>
+      </p:sp>
+      <p:sp>
+        <p:nvSpPr>
+          <p:cNvPr id="3" name="슬라이드 노트 개체 틀 2"/>
+          <p:cNvSpPr>
+            <a:spLocks noGrp="1"/>
+          </p:cNvSpPr>
+          <p:nvPr>
+            <p:ph type="body" idx="1"/>
+          </p:nvPr>
+        </p:nvSpPr>
+        <p:spPr/>
+        <p:txBody>
+          <a:bodyPr/>
+          <a:lstStyle/>
+          <a:p>
+            <a:endParaRPr lang="en-US" altLang="ko-KR" dirty="0" smtClean="0"/>
+          </a:p>
+          <a:p>
+            <a:r>
+              <a:rPr lang="en-US" altLang="ko-KR" dirty="0" smtClean="0"/>
+              <a:t>AI</a:t>
+            </a:r>
+            <a:r>
+              <a:rPr lang="ko-KR" altLang="en-US" dirty="0" smtClean="0"/>
+              <a:t>연구 하면 </a:t>
+            </a:r>
+            <a:r>
+              <a:rPr lang="en-US" altLang="ko-KR" dirty="0" smtClean="0"/>
+              <a:t>‘</a:t>
+            </a:r>
+            <a:r>
+              <a:rPr lang="ko-KR" altLang="en-US" dirty="0" smtClean="0"/>
+              <a:t>데이터가 있어야 뭘 하지</a:t>
+            </a:r>
+            <a:r>
+              <a:rPr lang="en-US" altLang="ko-KR" dirty="0" smtClean="0"/>
+              <a:t>.’  ‘</a:t>
+            </a:r>
+            <a:r>
+              <a:rPr lang="ko-KR" altLang="en-US" dirty="0" smtClean="0"/>
+              <a:t>돈이 되는 아이템을 내가 만들어야 하는 거 아냐</a:t>
+            </a:r>
+            <a:r>
+              <a:rPr lang="en-US" altLang="ko-KR" dirty="0" smtClean="0"/>
+              <a:t>?’, ‘</a:t>
+            </a:r>
+            <a:r>
+              <a:rPr lang="ko-KR" altLang="en-US" dirty="0" smtClean="0"/>
+              <a:t>투자 아니면 </a:t>
+            </a:r>
+            <a:r>
+              <a:rPr lang="ko-KR" altLang="en-US" dirty="0" err="1" smtClean="0"/>
+              <a:t>회사차려야</a:t>
+            </a:r>
+            <a:r>
+              <a:rPr lang="ko-KR" altLang="en-US" dirty="0" smtClean="0"/>
+              <a:t> </a:t>
+            </a:r>
+            <a:r>
+              <a:rPr lang="ko-KR" altLang="en-US" dirty="0" err="1" smtClean="0"/>
+              <a:t>하는거</a:t>
+            </a:r>
+            <a:r>
+              <a:rPr lang="ko-KR" altLang="en-US" dirty="0" smtClean="0"/>
+              <a:t> 아냐</a:t>
+            </a:r>
+            <a:r>
+              <a:rPr lang="en-US" altLang="ko-KR" dirty="0" smtClean="0"/>
+              <a:t>?’ </a:t>
+            </a:r>
+          </a:p>
+          <a:p>
+            <a:endParaRPr lang="en-US" altLang="ko-KR" dirty="0" smtClean="0"/>
+          </a:p>
+          <a:p>
+            <a:r>
+              <a:rPr lang="ko-KR" altLang="en-US" dirty="0" smtClean="0"/>
+              <a:t>연구과제</a:t>
+            </a:r>
+            <a:endParaRPr lang="en-US" altLang="ko-KR" dirty="0" smtClean="0"/>
+          </a:p>
+          <a:p>
+            <a:r>
+              <a:rPr lang="en-US" altLang="ko-KR" dirty="0" smtClean="0"/>
+              <a:t>    - </a:t>
+            </a:r>
+            <a:r>
+              <a:rPr lang="ko-KR" altLang="en-US" dirty="0" smtClean="0"/>
+              <a:t>아산병원</a:t>
+            </a:r>
+            <a:r>
+              <a:rPr lang="en-US" altLang="ko-KR" dirty="0" smtClean="0"/>
+              <a:t>: Brain Tumor in MRI DSC</a:t>
+            </a:r>
+            <a:r>
+              <a:rPr lang="en-US" altLang="ko-KR" baseline="0" dirty="0" smtClean="0"/>
+              <a:t> Image -&gt; Signal Analysis</a:t>
+            </a:r>
+          </a:p>
+          <a:p>
+            <a:r>
+              <a:rPr lang="en-US" altLang="ko-KR" baseline="0" dirty="0" smtClean="0"/>
+              <a:t>    - ECG classification (</a:t>
+            </a:r>
+            <a:r>
+              <a:rPr lang="en-US" altLang="ko-KR" baseline="0" dirty="0" err="1" smtClean="0"/>
+              <a:t>Arrythmia</a:t>
+            </a:r>
+            <a:r>
+              <a:rPr lang="en-US" altLang="ko-KR" baseline="0" dirty="0" smtClean="0"/>
+              <a:t>: </a:t>
+            </a:r>
+            <a:r>
+              <a:rPr lang="ko-KR" altLang="en-US" baseline="0" dirty="0" smtClean="0"/>
+              <a:t>부정맥</a:t>
+            </a:r>
+            <a:r>
+              <a:rPr lang="en-US" altLang="ko-KR" baseline="0" dirty="0" smtClean="0"/>
+              <a:t>), Vital Signal </a:t>
+            </a:r>
+            <a:r>
+              <a:rPr lang="ko-KR" altLang="en-US" baseline="0" dirty="0" smtClean="0"/>
+              <a:t>연구</a:t>
+            </a:r>
+            <a:endParaRPr lang="en-US" altLang="ko-KR" baseline="0" dirty="0" smtClean="0"/>
+          </a:p>
+          <a:p>
+            <a:r>
+              <a:rPr lang="en-US" altLang="ko-KR" baseline="0" dirty="0" smtClean="0"/>
+              <a:t>    - Chest X-ray </a:t>
+            </a:r>
+            <a:r>
+              <a:rPr lang="ko-KR" altLang="en-US" baseline="0" dirty="0" smtClean="0"/>
+              <a:t>연구 등</a:t>
+            </a:r>
+            <a:endParaRPr lang="en-US" altLang="ko-KR" baseline="0" dirty="0" smtClean="0"/>
+          </a:p>
+          <a:p>
+            <a:r>
+              <a:rPr lang="en-US" altLang="ko-KR" baseline="0" dirty="0" smtClean="0"/>
+              <a:t>    - </a:t>
+            </a:r>
+            <a:r>
+              <a:rPr lang="ko-KR" altLang="en-US" baseline="0" dirty="0" smtClean="0"/>
+              <a:t>각 교수님마다 매년 국가과제든</a:t>
+            </a:r>
+            <a:r>
+              <a:rPr lang="en-US" altLang="ko-KR" baseline="0" dirty="0" smtClean="0"/>
+              <a:t>, </a:t>
+            </a:r>
+            <a:r>
+              <a:rPr lang="ko-KR" altLang="en-US" baseline="0" dirty="0" smtClean="0"/>
+              <a:t>내부과제든 따셔야 하는데</a:t>
+            </a:r>
+            <a:r>
+              <a:rPr lang="en-US" altLang="ko-KR" baseline="0" dirty="0" smtClean="0"/>
+              <a:t>… </a:t>
+            </a:r>
+            <a:r>
+              <a:rPr lang="ko-KR" altLang="en-US" baseline="0" dirty="0" smtClean="0"/>
+              <a:t>따도 그 연구를 실행할 인력이 필요합니다</a:t>
+            </a:r>
+            <a:r>
+              <a:rPr lang="en-US" altLang="ko-KR" baseline="0" dirty="0" smtClean="0"/>
+              <a:t>.</a:t>
+            </a:r>
+          </a:p>
+          <a:p>
+            <a:endParaRPr lang="en-US" altLang="ko-KR" baseline="0" dirty="0" smtClean="0"/>
+          </a:p>
+          <a:p>
+            <a:endParaRPr lang="en-US" altLang="ko-KR" baseline="0" dirty="0" smtClean="0"/>
+          </a:p>
+          <a:p>
+            <a:r>
+              <a:rPr lang="ko-KR" altLang="en-US" baseline="0" dirty="0" smtClean="0"/>
+              <a:t>인력이 필요한 단순업무들</a:t>
+            </a:r>
+            <a:endParaRPr lang="en-US" altLang="ko-KR" baseline="0" dirty="0" smtClean="0"/>
+          </a:p>
+          <a:p>
+            <a:r>
+              <a:rPr lang="en-US" altLang="ko-KR" baseline="0" dirty="0" smtClean="0"/>
+              <a:t>    - </a:t>
+            </a:r>
+            <a:r>
+              <a:rPr lang="ko-KR" altLang="en-US" baseline="0" dirty="0" smtClean="0"/>
+              <a:t>사고차량 처리 프로세스</a:t>
+            </a:r>
+            <a:endParaRPr lang="en-US" altLang="ko-KR" baseline="0" dirty="0" smtClean="0"/>
+          </a:p>
+          <a:p>
+            <a:r>
+              <a:rPr lang="en-US" altLang="ko-KR" baseline="0" dirty="0" smtClean="0"/>
+              <a:t>    - </a:t>
+            </a:r>
+            <a:r>
+              <a:rPr lang="ko-KR" altLang="en-US" baseline="0" dirty="0" err="1" smtClean="0"/>
+              <a:t>메뉴판</a:t>
+            </a:r>
+            <a:r>
+              <a:rPr lang="ko-KR" altLang="en-US" baseline="0" dirty="0" smtClean="0"/>
+              <a:t> 인식 </a:t>
+            </a:r>
+            <a:r>
+              <a:rPr lang="en-US" altLang="ko-KR" baseline="0" dirty="0" smtClean="0"/>
+              <a:t>(</a:t>
+            </a:r>
+            <a:r>
+              <a:rPr lang="ko-KR" altLang="en-US" baseline="0" dirty="0" err="1" smtClean="0"/>
+              <a:t>배달앱</a:t>
+            </a:r>
+            <a:r>
+              <a:rPr lang="ko-KR" altLang="en-US" baseline="0" dirty="0" smtClean="0"/>
+              <a:t> </a:t>
+            </a:r>
+            <a:r>
+              <a:rPr lang="en-US" altLang="ko-KR" baseline="0" dirty="0" smtClean="0"/>
+              <a:t>DB</a:t>
+            </a:r>
+            <a:r>
+              <a:rPr lang="ko-KR" altLang="en-US" baseline="0" dirty="0" smtClean="0"/>
+              <a:t>구축</a:t>
+            </a:r>
+            <a:r>
+              <a:rPr lang="en-US" altLang="ko-KR" baseline="0" dirty="0" smtClean="0"/>
+              <a:t>)</a:t>
+            </a:r>
+          </a:p>
+          <a:p>
+            <a:endParaRPr lang="en-US" altLang="ko-KR" baseline="0" dirty="0" smtClean="0"/>
+          </a:p>
+          <a:p>
+            <a:endParaRPr lang="en-US" altLang="ko-KR" baseline="0" dirty="0" smtClean="0"/>
+          </a:p>
+          <a:p>
+            <a:r>
+              <a:rPr lang="ko-KR" altLang="en-US" baseline="0" dirty="0" err="1" smtClean="0"/>
+              <a:t>스타트업</a:t>
+            </a:r>
+            <a:r>
+              <a:rPr lang="ko-KR" altLang="en-US" baseline="0" dirty="0" smtClean="0"/>
+              <a:t> 아이템</a:t>
+            </a:r>
+            <a:endParaRPr lang="en-US" altLang="ko-KR" baseline="0" dirty="0" smtClean="0"/>
+          </a:p>
+          <a:p>
+            <a:r>
+              <a:rPr lang="en-US" altLang="ko-KR" baseline="0" dirty="0" smtClean="0"/>
+              <a:t>    - </a:t>
+            </a:r>
+            <a:r>
+              <a:rPr lang="ko-KR" altLang="en-US" baseline="0" dirty="0" smtClean="0"/>
+              <a:t>음악 </a:t>
+            </a:r>
+            <a:r>
+              <a:rPr lang="en-US" altLang="ko-KR" baseline="0" dirty="0" smtClean="0"/>
+              <a:t>Mastering</a:t>
+            </a:r>
+          </a:p>
+          <a:p>
+            <a:r>
+              <a:rPr lang="en-US" altLang="ko-KR" baseline="0" dirty="0" smtClean="0"/>
+              <a:t>    - Beat Extraction</a:t>
+            </a:r>
+          </a:p>
+          <a:p>
+            <a:r>
+              <a:rPr lang="en-US" altLang="ko-KR" baseline="0" dirty="0" smtClean="0"/>
+              <a:t>    - 3D shoes</a:t>
+            </a:r>
+          </a:p>
+          <a:p>
+            <a:endParaRPr lang="en-US" altLang="ko-KR" baseline="0" dirty="0" smtClean="0"/>
+          </a:p>
+          <a:p>
+            <a:endParaRPr lang="en-US" altLang="ko-KR" baseline="0" dirty="0" smtClean="0"/>
+          </a:p>
+          <a:p>
+            <a:r>
+              <a:rPr lang="ko-KR" altLang="en-US" baseline="0" dirty="0" smtClean="0"/>
+              <a:t>다양한 사업자들</a:t>
+            </a:r>
+            <a:r>
+              <a:rPr lang="en-US" altLang="ko-KR" baseline="0" dirty="0" smtClean="0"/>
+              <a:t>, </a:t>
+            </a:r>
+            <a:r>
+              <a:rPr lang="ko-KR" altLang="en-US" baseline="0" dirty="0" smtClean="0"/>
+              <a:t>다양한 생각들</a:t>
+            </a:r>
+            <a:endParaRPr lang="en-US" altLang="ko-KR" baseline="0" dirty="0" smtClean="0"/>
+          </a:p>
+          <a:p>
+            <a:r>
+              <a:rPr lang="en-US" altLang="ko-KR" baseline="0" dirty="0" smtClean="0"/>
+              <a:t>    - AI Blogger</a:t>
+            </a:r>
+          </a:p>
+          <a:p>
+            <a:r>
+              <a:rPr lang="en-US" altLang="ko-KR" baseline="0" dirty="0" smtClean="0"/>
+              <a:t>    - </a:t>
+            </a:r>
+            <a:r>
+              <a:rPr lang="ko-KR" altLang="en-US" baseline="0" dirty="0" smtClean="0"/>
+              <a:t>쇼핑몰 광고</a:t>
+            </a:r>
+            <a:r>
+              <a:rPr lang="en-US" altLang="ko-KR" baseline="0" dirty="0" smtClean="0"/>
+              <a:t>: Captcha </a:t>
+            </a:r>
+            <a:r>
+              <a:rPr lang="ko-KR" altLang="en-US" baseline="0" dirty="0" smtClean="0"/>
+              <a:t>읽기 </a:t>
+            </a:r>
+            <a:r>
+              <a:rPr lang="en-US" altLang="ko-KR" baseline="0" dirty="0" smtClean="0"/>
+              <a:t>+ Macro</a:t>
+            </a:r>
+          </a:p>
+          <a:p>
+            <a:r>
+              <a:rPr lang="en-US" altLang="ko-KR" baseline="0" dirty="0" smtClean="0"/>
+              <a:t>    - Review</a:t>
+            </a:r>
+            <a:r>
+              <a:rPr lang="ko-KR" altLang="en-US" baseline="0" dirty="0" smtClean="0"/>
+              <a:t>감정분석</a:t>
+            </a:r>
+            <a:r>
+              <a:rPr lang="en-US" altLang="ko-KR" baseline="0" dirty="0" smtClean="0"/>
+              <a:t>, </a:t>
+            </a:r>
+          </a:p>
+          <a:p>
+            <a:r>
+              <a:rPr lang="en-US" altLang="ko-KR" baseline="0" dirty="0" smtClean="0"/>
+              <a:t>    - </a:t>
+            </a:r>
+            <a:r>
+              <a:rPr lang="ko-KR" altLang="en-US" baseline="0" dirty="0" smtClean="0"/>
+              <a:t>동대문 의류재료상</a:t>
+            </a:r>
+            <a:endParaRPr lang="en-US" altLang="ko-KR" baseline="0" dirty="0" smtClean="0"/>
+          </a:p>
+          <a:p>
+            <a:r>
+              <a:rPr lang="en-US" altLang="ko-KR" baseline="0" dirty="0" smtClean="0"/>
+              <a:t>    - </a:t>
+            </a:r>
+            <a:r>
+              <a:rPr lang="ko-KR" altLang="en-US" baseline="0" dirty="0" smtClean="0"/>
+              <a:t>변호사 사무실</a:t>
+            </a:r>
+            <a:endParaRPr lang="en-US" altLang="ko-KR" baseline="0" dirty="0" smtClean="0"/>
+          </a:p>
+          <a:p>
+            <a:endParaRPr lang="en-US" altLang="ko-KR" baseline="0" dirty="0" smtClean="0"/>
+          </a:p>
+          <a:p>
+            <a:endParaRPr lang="en-US" altLang="ko-KR" baseline="0" dirty="0" smtClean="0"/>
+          </a:p>
+          <a:p>
+            <a:r>
+              <a:rPr lang="ko-KR" altLang="en-US" baseline="0" dirty="0" smtClean="0"/>
+              <a:t>예술로 </a:t>
+            </a:r>
+            <a:r>
+              <a:rPr lang="en-US" altLang="ko-KR" baseline="0" dirty="0" smtClean="0"/>
+              <a:t>AI</a:t>
+            </a:r>
+            <a:r>
+              <a:rPr lang="ko-KR" altLang="en-US" baseline="0" dirty="0" smtClean="0"/>
+              <a:t>가 필수</a:t>
+            </a:r>
+            <a:r>
+              <a:rPr lang="en-US" altLang="ko-KR" baseline="0" dirty="0" smtClean="0"/>
+              <a:t>?</a:t>
+            </a:r>
+            <a:endParaRPr lang="en-US" altLang="ko-KR" dirty="0" smtClean="0"/>
+          </a:p>
+          <a:p>
+            <a:r>
+              <a:rPr lang="en-US" altLang="ko-KR" dirty="0" smtClean="0"/>
+              <a:t>    - </a:t>
+            </a:r>
+            <a:r>
+              <a:rPr lang="ko-KR" altLang="en-US" dirty="0" smtClean="0"/>
+              <a:t>예술분야 과제에 </a:t>
+            </a:r>
+            <a:r>
+              <a:rPr lang="en-US" altLang="ko-KR" dirty="0" smtClean="0"/>
+              <a:t>AI</a:t>
+            </a:r>
+            <a:r>
+              <a:rPr lang="ko-KR" altLang="en-US" dirty="0" smtClean="0"/>
+              <a:t>전문가</a:t>
+            </a:r>
+            <a:r>
+              <a:rPr lang="ko-KR" altLang="en-US" baseline="0" dirty="0" smtClean="0"/>
+              <a:t> </a:t>
+            </a:r>
+            <a:r>
+              <a:rPr lang="en-US" altLang="ko-KR" baseline="0" dirty="0" smtClean="0"/>
+              <a:t>1</a:t>
+            </a:r>
+            <a:r>
+              <a:rPr lang="ko-KR" altLang="en-US" baseline="0" dirty="0" err="1" smtClean="0"/>
+              <a:t>명이상</a:t>
+            </a:r>
+            <a:r>
+              <a:rPr lang="ko-KR" altLang="en-US" baseline="0" dirty="0" smtClean="0"/>
+              <a:t> 참여가 필수</a:t>
+            </a:r>
+            <a:endParaRPr lang="en-US" altLang="ko-KR" baseline="0" dirty="0" smtClean="0"/>
+          </a:p>
+          <a:p>
+            <a:endParaRPr lang="ko-KR" altLang="en-US" dirty="0"/>
+          </a:p>
+        </p:txBody>
+      </p:sp>
+      <p:sp>
+        <p:nvSpPr>
+          <p:cNvPr id="4" name="슬라이드 번호 개체 틀 3"/>
+          <p:cNvSpPr>
+            <a:spLocks noGrp="1"/>
+          </p:cNvSpPr>
+          <p:nvPr>
+            <p:ph type="sldNum" sz="quarter" idx="10"/>
+          </p:nvPr>
+        </p:nvSpPr>
+        <p:spPr/>
+        <p:txBody>
+          <a:bodyPr/>
+          <a:lstStyle/>
+          <a:p>
+            <a:fld id="{B96F2D95-B4DD-44A7-88DD-79B38E16DC10}" type="slidenum">
+              <a:rPr lang="ko-KR" altLang="en-US" smtClean="0"/>
+              <a:t>11</a:t>
+            </a:fld>
+            <a:endParaRPr lang="ko-KR" altLang="en-US" dirty="0"/>
+          </a:p>
+        </p:txBody>
+      </p:sp>
+    </p:spTree>
+    <p:extLst>
+      <p:ext uri="{BB962C8B-B14F-4D97-AF65-F5344CB8AC3E}">
         <p14:creationId xmlns:p14="http://schemas.microsoft.com/office/powerpoint/2010/main" val="2418679443"/>
       </p:ext>
     </p:extLst>
@@ -5360,7 +5848,7 @@
           <a:p>
             <a:fld id="{E4C935BF-AB8F-4B36-9153-B3B9CB6E4F07}" type="datetimeFigureOut">
               <a:rPr lang="ko-KR" altLang="en-US" smtClean="0"/>
-              <a:t>2020-11-19</a:t>
+              <a:t>2020-11-20</a:t>
             </a:fld>
             <a:endParaRPr lang="ko-KR" altLang="en-US" dirty="0"/>
           </a:p>
@@ -5530,7 +6018,7 @@
           <a:p>
             <a:fld id="{E4C935BF-AB8F-4B36-9153-B3B9CB6E4F07}" type="datetimeFigureOut">
               <a:rPr lang="ko-KR" altLang="en-US" smtClean="0"/>
-              <a:t>2020-11-19</a:t>
+              <a:t>2020-11-20</a:t>
             </a:fld>
             <a:endParaRPr lang="ko-KR" altLang="en-US" dirty="0"/>
           </a:p>
@@ -5717,7 +6205,7 @@
           <a:p>
             <a:fld id="{E4C935BF-AB8F-4B36-9153-B3B9CB6E4F07}" type="datetimeFigureOut">
               <a:rPr lang="ko-KR" altLang="en-US" smtClean="0"/>
-              <a:t>2020-11-19</a:t>
+              <a:t>2020-11-20</a:t>
             </a:fld>
             <a:endParaRPr lang="ko-KR" altLang="en-US" dirty="0"/>
           </a:p>
@@ -5931,7 +6419,7 @@
           <a:p>
             <a:fld id="{E4C935BF-AB8F-4B36-9153-B3B9CB6E4F07}" type="datetimeFigureOut">
               <a:rPr lang="ko-KR" altLang="en-US" smtClean="0"/>
-              <a:t>2020-11-19</a:t>
+              <a:t>2020-11-20</a:t>
             </a:fld>
             <a:endParaRPr lang="ko-KR" altLang="en-US" dirty="0"/>
           </a:p>
@@ -6177,7 +6665,7 @@
           <a:p>
             <a:fld id="{E4C935BF-AB8F-4B36-9153-B3B9CB6E4F07}" type="datetimeFigureOut">
               <a:rPr lang="ko-KR" altLang="en-US" smtClean="0"/>
-              <a:t>2020-11-19</a:t>
+              <a:t>2020-11-20</a:t>
             </a:fld>
             <a:endParaRPr lang="ko-KR" altLang="en-US" dirty="0"/>
           </a:p>
@@ -6409,7 +6897,7 @@
           <a:p>
             <a:fld id="{E4C935BF-AB8F-4B36-9153-B3B9CB6E4F07}" type="datetimeFigureOut">
               <a:rPr lang="ko-KR" altLang="en-US" smtClean="0"/>
-              <a:t>2020-11-19</a:t>
+              <a:t>2020-11-20</a:t>
             </a:fld>
             <a:endParaRPr lang="ko-KR" altLang="en-US" dirty="0"/>
           </a:p>
@@ -6776,7 +7264,7 @@
           <a:p>
             <a:fld id="{E4C935BF-AB8F-4B36-9153-B3B9CB6E4F07}" type="datetimeFigureOut">
               <a:rPr lang="ko-KR" altLang="en-US" smtClean="0"/>
-              <a:t>2020-11-19</a:t>
+              <a:t>2020-11-20</a:t>
             </a:fld>
             <a:endParaRPr lang="ko-KR" altLang="en-US" dirty="0"/>
           </a:p>
@@ -6894,7 +7382,7 @@
           <a:p>
             <a:fld id="{E4C935BF-AB8F-4B36-9153-B3B9CB6E4F07}" type="datetimeFigureOut">
               <a:rPr lang="ko-KR" altLang="en-US" smtClean="0"/>
-              <a:t>2020-11-19</a:t>
+              <a:t>2020-11-20</a:t>
             </a:fld>
             <a:endParaRPr lang="ko-KR" altLang="en-US" dirty="0"/>
           </a:p>
@@ -6989,7 +7477,7 @@
           <a:p>
             <a:fld id="{E4C935BF-AB8F-4B36-9153-B3B9CB6E4F07}" type="datetimeFigureOut">
               <a:rPr lang="ko-KR" altLang="en-US" smtClean="0"/>
-              <a:t>2020-11-19</a:t>
+              <a:t>2020-11-20</a:t>
             </a:fld>
             <a:endParaRPr lang="ko-KR" altLang="en-US" dirty="0"/>
           </a:p>
@@ -7266,7 +7754,7 @@
           <a:p>
             <a:fld id="{E4C935BF-AB8F-4B36-9153-B3B9CB6E4F07}" type="datetimeFigureOut">
               <a:rPr lang="ko-KR" altLang="en-US" smtClean="0"/>
-              <a:t>2020-11-19</a:t>
+              <a:t>2020-11-20</a:t>
             </a:fld>
             <a:endParaRPr lang="ko-KR" altLang="en-US" dirty="0"/>
           </a:p>
@@ -7519,7 +8007,7 @@
           <a:p>
             <a:fld id="{E4C935BF-AB8F-4B36-9153-B3B9CB6E4F07}" type="datetimeFigureOut">
               <a:rPr lang="ko-KR" altLang="en-US" smtClean="0"/>
-              <a:t>2020-11-19</a:t>
+              <a:t>2020-11-20</a:t>
             </a:fld>
             <a:endParaRPr lang="ko-KR" altLang="en-US" dirty="0"/>
           </a:p>
@@ -7732,7 +8220,7 @@
           <a:p>
             <a:fld id="{E4C935BF-AB8F-4B36-9153-B3B9CB6E4F07}" type="datetimeFigureOut">
               <a:rPr lang="ko-KR" altLang="en-US" smtClean="0"/>
-              <a:t>2020-11-19</a:t>
+              <a:t>2020-11-20</a:t>
             </a:fld>
             <a:endParaRPr lang="ko-KR" altLang="en-US" dirty="0"/>
           </a:p>
@@ -8143,7 +8631,7 @@
           <p:cNvPr id="4" name="부제목 2">
             <a:extLst>
               <a:ext uri="{FF2B5EF4-FFF2-40B4-BE49-F238E27FC236}">
-                <a16:creationId xmlns:a16="http://schemas.microsoft.com/office/drawing/2014/main" xmlns="" id="{9FDD37FB-40EE-487B-B722-864565EB4538}"/>
+                <a16:creationId xmlns="" xmlns:a16="http://schemas.microsoft.com/office/drawing/2014/main" id="{9FDD37FB-40EE-487B-B722-864565EB4538}"/>
               </a:ext>
             </a:extLst>
           </p:cNvPr>
@@ -8343,7 +8831,7 @@
           <p:cNvPr id="5" name="부제목 2">
             <a:extLst>
               <a:ext uri="{FF2B5EF4-FFF2-40B4-BE49-F238E27FC236}">
-                <a16:creationId xmlns:a16="http://schemas.microsoft.com/office/drawing/2014/main" xmlns="" id="{23CC92B7-A3BD-4225-A5C6-5077A14F3614}"/>
+                <a16:creationId xmlns="" xmlns:a16="http://schemas.microsoft.com/office/drawing/2014/main" id="{23CC92B7-A3BD-4225-A5C6-5077A14F3614}"/>
               </a:ext>
             </a:extLst>
           </p:cNvPr>
@@ -8696,7 +9184,404 @@
           <p:cNvPr id="10" name="TextBox 9">
             <a:extLst>
               <a:ext uri="{FF2B5EF4-FFF2-40B4-BE49-F238E27FC236}">
-                <a16:creationId xmlns:a16="http://schemas.microsoft.com/office/drawing/2014/main" xmlns="" id="{00C9ADAB-2823-4A16-A341-B0F588187EA7}"/>
+                <a16:creationId xmlns="" xmlns:a16="http://schemas.microsoft.com/office/drawing/2014/main" id="{00C9ADAB-2823-4A16-A341-B0F588187EA7}"/>
+              </a:ext>
+            </a:extLst>
+          </p:cNvPr>
+          <p:cNvSpPr txBox="1"/>
+          <p:nvPr/>
+        </p:nvSpPr>
+        <p:spPr>
+          <a:xfrm>
+            <a:off x="0" y="240632"/>
+            <a:ext cx="12192000" cy="553998"/>
+          </a:xfrm>
+          <a:prstGeom prst="rect">
+            <a:avLst/>
+          </a:prstGeom>
+          <a:noFill/>
+        </p:spPr>
+        <p:txBody>
+          <a:bodyPr wrap="square" rtlCol="0">
+            <a:spAutoFit/>
+          </a:bodyPr>
+          <a:lstStyle/>
+          <a:p>
+            <a:r>
+              <a:rPr lang="ko-KR" altLang="en-US" sz="3000" spc="-67" dirty="0" smtClean="0">
+                <a:solidFill>
+                  <a:srgbClr val="0070C0"/>
+                </a:solidFill>
+                <a:latin typeface="+mn-ea"/>
+              </a:rPr>
+              <a:t>실행순서</a:t>
+            </a:r>
+            <a:endParaRPr lang="ko-KR" altLang="en-US" sz="3000" spc="-67" dirty="0">
+              <a:solidFill>
+                <a:srgbClr val="0070C0"/>
+              </a:solidFill>
+              <a:latin typeface="+mn-ea"/>
+            </a:endParaRPr>
+          </a:p>
+        </p:txBody>
+      </p:sp>
+      <p:sp>
+        <p:nvSpPr>
+          <p:cNvPr id="16" name="직사각형 15"/>
+          <p:cNvSpPr/>
+          <p:nvPr/>
+        </p:nvSpPr>
+        <p:spPr>
+          <a:xfrm>
+            <a:off x="2260600" y="1872068"/>
+            <a:ext cx="8686800" cy="3241108"/>
+          </a:xfrm>
+          <a:prstGeom prst="rect">
+            <a:avLst/>
+          </a:prstGeom>
+          <a:solidFill>
+            <a:schemeClr val="bg1"/>
+          </a:solidFill>
+          <a:ln>
+            <a:noFill/>
+          </a:ln>
+          <a:effectLst/>
+        </p:spPr>
+        <p:style>
+          <a:lnRef idx="2">
+            <a:schemeClr val="accent1">
+              <a:shade val="50000"/>
+            </a:schemeClr>
+          </a:lnRef>
+          <a:fillRef idx="1">
+            <a:schemeClr val="accent1"/>
+          </a:fillRef>
+          <a:effectRef idx="0">
+            <a:schemeClr val="accent1"/>
+          </a:effectRef>
+          <a:fontRef idx="minor">
+            <a:schemeClr val="lt1"/>
+          </a:fontRef>
+        </p:style>
+        <p:txBody>
+          <a:bodyPr rtlCol="0" anchor="t" anchorCtr="0"/>
+          <a:lstStyle/>
+          <a:p>
+            <a:pPr marL="550862" indent="-457200">
+              <a:lnSpc>
+                <a:spcPct val="150000"/>
+              </a:lnSpc>
+              <a:buFont typeface="+mj-lt"/>
+              <a:buAutoNum type="arabicPeriod"/>
+            </a:pPr>
+            <a:r>
+              <a:rPr lang="en-US" altLang="ko-KR" sz="2000" dirty="0" smtClean="0">
+                <a:solidFill>
+                  <a:schemeClr val="tx1"/>
+                </a:solidFill>
+              </a:rPr>
+              <a:t>AI</a:t>
+            </a:r>
+            <a:r>
+              <a:rPr lang="ko-KR" altLang="en-US" sz="2000" dirty="0" smtClean="0">
+                <a:solidFill>
+                  <a:schemeClr val="tx1"/>
+                </a:solidFill>
+              </a:rPr>
+              <a:t>학습하기</a:t>
+            </a:r>
+            <a:r>
+              <a:rPr lang="en-US" altLang="ko-KR" sz="2000" dirty="0" smtClean="0">
+                <a:solidFill>
+                  <a:schemeClr val="tx1"/>
+                </a:solidFill>
+              </a:rPr>
+              <a:t>: python train.py  </a:t>
+            </a:r>
+            <a:br>
+              <a:rPr lang="en-US" altLang="ko-KR" sz="2000" dirty="0" smtClean="0">
+                <a:solidFill>
+                  <a:schemeClr val="tx1"/>
+                </a:solidFill>
+              </a:rPr>
+            </a:br>
+            <a:r>
+              <a:rPr lang="en-US" altLang="ko-KR" sz="2000" dirty="0" smtClean="0">
+                <a:solidFill>
+                  <a:schemeClr val="tx1"/>
+                </a:solidFill>
+              </a:rPr>
+              <a:t>- </a:t>
+            </a:r>
+            <a:r>
+              <a:rPr lang="ko-KR" altLang="en-US" sz="2000" dirty="0" smtClean="0">
+                <a:solidFill>
+                  <a:schemeClr val="tx1"/>
+                </a:solidFill>
+              </a:rPr>
+              <a:t>데이터가 충분하지 않아 </a:t>
+            </a:r>
+            <a:r>
+              <a:rPr lang="en-US" altLang="ko-KR" sz="2000" dirty="0" smtClean="0">
+                <a:solidFill>
+                  <a:schemeClr val="tx1"/>
+                </a:solidFill>
+              </a:rPr>
+              <a:t>AI</a:t>
+            </a:r>
+            <a:r>
+              <a:rPr lang="ko-KR" altLang="en-US" sz="2000" dirty="0" smtClean="0">
+                <a:solidFill>
+                  <a:schemeClr val="tx1"/>
+                </a:solidFill>
+              </a:rPr>
+              <a:t>모델 정확도는 그다지 높지 않음</a:t>
+            </a:r>
+            <a:endParaRPr lang="en-US" altLang="ko-KR" sz="2000" dirty="0" smtClean="0">
+              <a:solidFill>
+                <a:schemeClr val="tx1"/>
+              </a:solidFill>
+            </a:endParaRPr>
+          </a:p>
+          <a:p>
+            <a:pPr marL="550862" indent="-457200">
+              <a:lnSpc>
+                <a:spcPct val="150000"/>
+              </a:lnSpc>
+              <a:buFont typeface="+mj-lt"/>
+              <a:buAutoNum type="arabicPeriod"/>
+            </a:pPr>
+            <a:endParaRPr lang="en-US" altLang="ko-KR" sz="2000" dirty="0">
+              <a:solidFill>
+                <a:schemeClr val="tx1"/>
+              </a:solidFill>
+            </a:endParaRPr>
+          </a:p>
+          <a:p>
+            <a:pPr marL="550862" indent="-457200">
+              <a:lnSpc>
+                <a:spcPct val="150000"/>
+              </a:lnSpc>
+              <a:buFont typeface="+mj-lt"/>
+              <a:buAutoNum type="arabicPeriod"/>
+            </a:pPr>
+            <a:r>
+              <a:rPr lang="en-US" altLang="ko-KR" sz="2000" dirty="0" smtClean="0">
+                <a:solidFill>
+                  <a:schemeClr val="tx1"/>
+                </a:solidFill>
+              </a:rPr>
+              <a:t>Rule-base</a:t>
+            </a:r>
+            <a:r>
+              <a:rPr lang="ko-KR" altLang="en-US" sz="2000" dirty="0" err="1" smtClean="0">
+                <a:solidFill>
+                  <a:schemeClr val="tx1"/>
+                </a:solidFill>
+              </a:rPr>
+              <a:t>로직</a:t>
+            </a:r>
+            <a:r>
+              <a:rPr lang="ko-KR" altLang="en-US" sz="2000" dirty="0" smtClean="0">
+                <a:solidFill>
+                  <a:schemeClr val="tx1"/>
+                </a:solidFill>
+              </a:rPr>
+              <a:t> </a:t>
+            </a:r>
+            <a:r>
+              <a:rPr lang="en-US" altLang="ko-KR" sz="2000" dirty="0" smtClean="0">
+                <a:solidFill>
+                  <a:schemeClr val="tx1"/>
+                </a:solidFill>
+              </a:rPr>
+              <a:t>+ NAVER STT</a:t>
+            </a:r>
+            <a:r>
+              <a:rPr lang="ko-KR" altLang="en-US" sz="2000" dirty="0" smtClean="0">
+                <a:solidFill>
+                  <a:schemeClr val="tx1"/>
+                </a:solidFill>
+              </a:rPr>
+              <a:t>실행</a:t>
+            </a:r>
+            <a:r>
+              <a:rPr lang="en-US" altLang="ko-KR" sz="2000" dirty="0" smtClean="0">
+                <a:solidFill>
+                  <a:schemeClr val="tx1"/>
+                </a:solidFill>
+              </a:rPr>
+              <a:t>: python main_naver_stt.py</a:t>
+            </a:r>
+            <a:r>
+              <a:rPr lang="en-US" altLang="ko-KR" sz="2000" dirty="0">
+                <a:solidFill>
+                  <a:schemeClr val="tx1"/>
+                </a:solidFill>
+              </a:rPr>
+              <a:t/>
+            </a:r>
+            <a:br>
+              <a:rPr lang="en-US" altLang="ko-KR" sz="2000" dirty="0">
+                <a:solidFill>
+                  <a:schemeClr val="tx1"/>
+                </a:solidFill>
+              </a:rPr>
+            </a:br>
+            <a:r>
+              <a:rPr lang="en-US" altLang="ko-KR" sz="2000" dirty="0" smtClean="0">
+                <a:solidFill>
+                  <a:schemeClr val="tx1"/>
+                </a:solidFill>
+              </a:rPr>
+              <a:t>- 1</a:t>
+            </a:r>
+            <a:r>
+              <a:rPr lang="ko-KR" altLang="en-US" sz="2000" dirty="0" smtClean="0">
+                <a:solidFill>
+                  <a:schemeClr val="tx1"/>
+                </a:solidFill>
+              </a:rPr>
+              <a:t>일 이용제한 있음</a:t>
+            </a:r>
+            <a:r>
+              <a:rPr lang="en-US" altLang="ko-KR" sz="2000" dirty="0">
+                <a:solidFill>
+                  <a:schemeClr val="tx1"/>
+                </a:solidFill>
+              </a:rPr>
+              <a:t/>
+            </a:r>
+            <a:br>
+              <a:rPr lang="en-US" altLang="ko-KR" sz="2000" dirty="0">
+                <a:solidFill>
+                  <a:schemeClr val="tx1"/>
+                </a:solidFill>
+              </a:rPr>
+            </a:br>
+            <a:r>
+              <a:rPr lang="en-US" altLang="ko-KR" sz="2000" dirty="0" smtClean="0">
+                <a:solidFill>
+                  <a:srgbClr val="FF0000"/>
+                </a:solidFill>
+              </a:rPr>
+              <a:t>※ </a:t>
+            </a:r>
+            <a:r>
+              <a:rPr lang="en-US" altLang="ko-KR" sz="2000" dirty="0" err="1" smtClean="0">
+                <a:solidFill>
+                  <a:srgbClr val="FF0000"/>
+                </a:solidFill>
+              </a:rPr>
+              <a:t>naver</a:t>
+            </a:r>
+            <a:r>
+              <a:rPr lang="en-US" altLang="ko-KR" sz="2000" dirty="0" smtClean="0">
+                <a:solidFill>
+                  <a:srgbClr val="FF0000"/>
+                </a:solidFill>
+              </a:rPr>
+              <a:t> </a:t>
+            </a:r>
+            <a:r>
+              <a:rPr lang="en-US" altLang="ko-KR" sz="2000" dirty="0" err="1" smtClean="0">
+                <a:solidFill>
+                  <a:srgbClr val="FF0000"/>
+                </a:solidFill>
+              </a:rPr>
+              <a:t>api</a:t>
+            </a:r>
+            <a:r>
+              <a:rPr lang="en-US" altLang="ko-KR" sz="2000" dirty="0" smtClean="0">
+                <a:solidFill>
+                  <a:srgbClr val="FF0000"/>
+                </a:solidFill>
+              </a:rPr>
+              <a:t>: </a:t>
+            </a:r>
+            <a:r>
+              <a:rPr lang="en-US" altLang="ko-KR" sz="2000" dirty="0" err="1" smtClean="0">
+                <a:solidFill>
+                  <a:srgbClr val="FF0000"/>
+                </a:solidFill>
+              </a:rPr>
+              <a:t>client_id</a:t>
+            </a:r>
+            <a:r>
+              <a:rPr lang="en-US" altLang="ko-KR" sz="2000" dirty="0" smtClean="0">
+                <a:solidFill>
+                  <a:srgbClr val="FF0000"/>
+                </a:solidFill>
+              </a:rPr>
+              <a:t>, </a:t>
+            </a:r>
+            <a:r>
+              <a:rPr lang="en-US" altLang="ko-KR" sz="2000" dirty="0" err="1" smtClean="0">
+                <a:solidFill>
+                  <a:srgbClr val="FF0000"/>
+                </a:solidFill>
+              </a:rPr>
+              <a:t>client_secret</a:t>
+            </a:r>
+            <a:r>
+              <a:rPr lang="ko-KR" altLang="en-US" sz="2000" dirty="0" smtClean="0">
+                <a:solidFill>
+                  <a:srgbClr val="FF0000"/>
+                </a:solidFill>
+              </a:rPr>
+              <a:t>은 개인키 발급 필요</a:t>
+            </a:r>
+            <a:endParaRPr lang="en-US" altLang="ko-KR" sz="2000" dirty="0" smtClean="0">
+              <a:solidFill>
+                <a:srgbClr val="FF0000"/>
+              </a:solidFill>
+            </a:endParaRPr>
+          </a:p>
+        </p:txBody>
+      </p:sp>
+    </p:spTree>
+    <p:extLst>
+      <p:ext uri="{BB962C8B-B14F-4D97-AF65-F5344CB8AC3E}">
+        <p14:creationId xmlns:p14="http://schemas.microsoft.com/office/powerpoint/2010/main" val="1812093678"/>
+      </p:ext>
+    </p:extLst>
+  </p:cSld>
+  <p:clrMapOvr>
+    <a:masterClrMapping/>
+  </p:clrMapOvr>
+  <p:timing>
+    <p:tnLst>
+      <p:par>
+        <p:cTn id="1" dur="indefinite" restart="never" nodeType="tmRoot"/>
+      </p:par>
+    </p:tnLst>
+  </p:timing>
+</p:sld>
+</file>
+
+<file path=ppt/slides/slide11.xml><?xml version="1.0" encoding="utf-8"?>
+<p:sld xmlns:a="http://schemas.openxmlformats.org/drawingml/2006/main" xmlns:r="http://schemas.openxmlformats.org/officeDocument/2006/relationships" xmlns:p="http://schemas.openxmlformats.org/presentationml/2006/main">
+  <p:cSld>
+    <p:spTree>
+      <p:nvGrpSpPr>
+        <p:cNvPr id="1" name=""/>
+        <p:cNvGrpSpPr/>
+        <p:nvPr/>
+      </p:nvGrpSpPr>
+      <p:grpSpPr>
+        <a:xfrm>
+          <a:off x="0" y="0"/>
+          <a:ext cx="0" cy="0"/>
+          <a:chOff x="0" y="0"/>
+          <a:chExt cx="0" cy="0"/>
+        </a:xfrm>
+      </p:grpSpPr>
+      <p:sp>
+        <p:nvSpPr>
+          <p:cNvPr id="10" name="TextBox 9">
+            <a:extLst>
+              <a:ext uri="{FF2B5EF4-FFF2-40B4-BE49-F238E27FC236}">
+                <a16:creationId xmlns="" xmlns:a16="http://schemas.microsoft.com/office/drawing/2014/main" id="{00C9ADAB-2823-4A16-A341-B0F588187EA7}"/>
               </a:ext>
             </a:extLst>
           </p:cNvPr>
@@ -8838,11 +9723,6 @@
               </a:rPr>
               <a:t>requests</a:t>
             </a:r>
-            <a:endParaRPr lang="en-US" altLang="ko-KR" sz="2000" dirty="0" smtClean="0">
-              <a:solidFill>
-                <a:schemeClr val="tx1"/>
-              </a:solidFill>
-            </a:endParaRPr>
           </a:p>
           <a:p>
             <a:pPr marL="285750" indent="-192088">
@@ -8934,15 +9814,7 @@
                   <a:srgbClr val="FF0000"/>
                 </a:solidFill>
               </a:rPr>
-              <a:t>은 </a:t>
-            </a:r>
-            <a:r>
-              <a:rPr lang="ko-KR" altLang="en-US" sz="2000" dirty="0" smtClean="0">
-                <a:solidFill>
-                  <a:srgbClr val="FF0000"/>
-                </a:solidFill>
-              </a:rPr>
-              <a:t>개인키 발급 필요</a:t>
+              <a:t>은 개인키 발급 필요</a:t>
             </a:r>
             <a:endParaRPr lang="en-US" altLang="ko-KR" sz="2000" dirty="0" smtClean="0">
               <a:solidFill>
@@ -8994,7 +9866,7 @@
           <p:cNvPr id="10" name="TextBox 9">
             <a:extLst>
               <a:ext uri="{FF2B5EF4-FFF2-40B4-BE49-F238E27FC236}">
-                <a16:creationId xmlns:a16="http://schemas.microsoft.com/office/drawing/2014/main" xmlns="" id="{00C9ADAB-2823-4A16-A341-B0F588187EA7}"/>
+                <a16:creationId xmlns="" xmlns:a16="http://schemas.microsoft.com/office/drawing/2014/main" id="{00C9ADAB-2823-4A16-A341-B0F588187EA7}"/>
               </a:ext>
             </a:extLst>
           </p:cNvPr>
@@ -9160,11 +10032,6 @@
               </a:rPr>
               <a:t>, Recording)</a:t>
             </a:r>
-            <a:endParaRPr lang="en-US" altLang="ko-KR" sz="2000" dirty="0" smtClean="0">
-              <a:solidFill>
-                <a:schemeClr val="tx1"/>
-              </a:solidFill>
-            </a:endParaRPr>
           </a:p>
           <a:p>
             <a:pPr marL="285750" indent="-192088">
@@ -9279,7 +10146,7 @@
           <p:cNvPr id="10" name="TextBox 9">
             <a:extLst>
               <a:ext uri="{FF2B5EF4-FFF2-40B4-BE49-F238E27FC236}">
-                <a16:creationId xmlns:a16="http://schemas.microsoft.com/office/drawing/2014/main" xmlns="" id="{00C9ADAB-2823-4A16-A341-B0F588187EA7}"/>
+                <a16:creationId xmlns="" xmlns:a16="http://schemas.microsoft.com/office/drawing/2014/main" id="{00C9ADAB-2823-4A16-A341-B0F588187EA7}"/>
               </a:ext>
             </a:extLst>
           </p:cNvPr>
@@ -9486,12 +10353,6 @@
               </a:rPr>
               <a:t>?</a:t>
             </a:r>
-            <a:endParaRPr lang="en-US" altLang="ko-KR" dirty="0" smtClean="0">
-              <a:solidFill>
-                <a:schemeClr val="tx1"/>
-              </a:solidFill>
-              <a:latin typeface="+mn-ea"/>
-            </a:endParaRPr>
           </a:p>
           <a:p>
             <a:pPr marL="285750" indent="-192088">
@@ -9720,12 +10581,6 @@
               </a:rPr>
               <a:t>.</a:t>
             </a:r>
-            <a:endParaRPr lang="en-US" altLang="ko-KR" dirty="0" smtClean="0">
-              <a:solidFill>
-                <a:schemeClr val="tx1"/>
-              </a:solidFill>
-              <a:latin typeface="+mn-ea"/>
-            </a:endParaRPr>
           </a:p>
         </p:txBody>
       </p:sp>
@@ -9771,7 +10626,7 @@
           <p:cNvPr id="10" name="TextBox 9">
             <a:extLst>
               <a:ext uri="{FF2B5EF4-FFF2-40B4-BE49-F238E27FC236}">
-                <a16:creationId xmlns:a16="http://schemas.microsoft.com/office/drawing/2014/main" xmlns="" id="{00C9ADAB-2823-4A16-A341-B0F588187EA7}"/>
+                <a16:creationId xmlns="" xmlns:a16="http://schemas.microsoft.com/office/drawing/2014/main" id="{00C9ADAB-2823-4A16-A341-B0F588187EA7}"/>
               </a:ext>
             </a:extLst>
           </p:cNvPr>
@@ -10333,7 +11188,7 @@
           <p:cNvPr id="10" name="TextBox 9">
             <a:extLst>
               <a:ext uri="{FF2B5EF4-FFF2-40B4-BE49-F238E27FC236}">
-                <a16:creationId xmlns:a16="http://schemas.microsoft.com/office/drawing/2014/main" xmlns="" id="{00C9ADAB-2823-4A16-A341-B0F588187EA7}"/>
+                <a16:creationId xmlns="" xmlns:a16="http://schemas.microsoft.com/office/drawing/2014/main" id="{00C9ADAB-2823-4A16-A341-B0F588187EA7}"/>
               </a:ext>
             </a:extLst>
           </p:cNvPr>
@@ -10685,7 +11540,7 @@
           <p:cNvPr id="10" name="TextBox 9">
             <a:extLst>
               <a:ext uri="{FF2B5EF4-FFF2-40B4-BE49-F238E27FC236}">
-                <a16:creationId xmlns:a16="http://schemas.microsoft.com/office/drawing/2014/main" xmlns="" id="{00C9ADAB-2823-4A16-A341-B0F588187EA7}"/>
+                <a16:creationId xmlns="" xmlns:a16="http://schemas.microsoft.com/office/drawing/2014/main" id="{00C9ADAB-2823-4A16-A341-B0F588187EA7}"/>
               </a:ext>
             </a:extLst>
           </p:cNvPr>
@@ -11258,7 +12113,7 @@
           <p:cNvPr id="10" name="TextBox 9">
             <a:extLst>
               <a:ext uri="{FF2B5EF4-FFF2-40B4-BE49-F238E27FC236}">
-                <a16:creationId xmlns:a16="http://schemas.microsoft.com/office/drawing/2014/main" xmlns="" id="{00C9ADAB-2823-4A16-A341-B0F588187EA7}"/>
+                <a16:creationId xmlns="" xmlns:a16="http://schemas.microsoft.com/office/drawing/2014/main" id="{00C9ADAB-2823-4A16-A341-B0F588187EA7}"/>
               </a:ext>
             </a:extLst>
           </p:cNvPr>
@@ -11623,7 +12478,7 @@
           <p:cNvPr id="10" name="TextBox 9">
             <a:extLst>
               <a:ext uri="{FF2B5EF4-FFF2-40B4-BE49-F238E27FC236}">
-                <a16:creationId xmlns:a16="http://schemas.microsoft.com/office/drawing/2014/main" xmlns="" id="{00C9ADAB-2823-4A16-A341-B0F588187EA7}"/>
+                <a16:creationId xmlns="" xmlns:a16="http://schemas.microsoft.com/office/drawing/2014/main" id="{00C9ADAB-2823-4A16-A341-B0F588187EA7}"/>
               </a:ext>
             </a:extLst>
           </p:cNvPr>
@@ -12710,7 +13565,7 @@
           <p:cNvPr id="10" name="TextBox 9">
             <a:extLst>
               <a:ext uri="{FF2B5EF4-FFF2-40B4-BE49-F238E27FC236}">
-                <a16:creationId xmlns:a16="http://schemas.microsoft.com/office/drawing/2014/main" xmlns="" id="{00C9ADAB-2823-4A16-A341-B0F588187EA7}"/>
+                <a16:creationId xmlns="" xmlns:a16="http://schemas.microsoft.com/office/drawing/2014/main" id="{00C9ADAB-2823-4A16-A341-B0F588187EA7}"/>
               </a:ext>
             </a:extLst>
           </p:cNvPr>
